--- a/PracticeEnterprise 2.pptx
+++ b/PracticeEnterprise 2.pptx
@@ -120,6 +120,11 @@
       </a:defRPr>
     </a:lvl9pPr>
   </p:defaultTextStyle>
+  <p:extLst>
+    <p:ext uri="{EFAFB233-063F-42B5-8137-9DF3F51BA10A}">
+      <p15:sldGuideLst xmlns:p15="http://schemas.microsoft.com/office/powerpoint/2012/main"/>
+    </p:ext>
+  </p:extLst>
 </p:presentation>
 </file>
 
@@ -4486,38 +4491,6 @@
       </p:sp>
       <p:pic>
         <p:nvPicPr>
-          <p:cNvPr id="5" name="Tijdelijke aanduiding voor inhoud 4">
-            <a:extLst>
-              <a:ext uri="{FF2B5EF4-FFF2-40B4-BE49-F238E27FC236}">
-                <a16:creationId xmlns:a16="http://schemas.microsoft.com/office/drawing/2014/main" id="{DF0D47CF-3A0C-4DA7-B42A-05E0CCF3ADA1}"/>
-              </a:ext>
-            </a:extLst>
-          </p:cNvPr>
-          <p:cNvPicPr>
-            <a:picLocks noGrp="1" noChangeAspect="1"/>
-          </p:cNvPicPr>
-          <p:nvPr>
-            <p:ph sz="half" idx="1"/>
-          </p:nvPr>
-        </p:nvPicPr>
-        <p:blipFill>
-          <a:blip r:embed="rId2"/>
-          <a:stretch>
-            <a:fillRect/>
-          </a:stretch>
-        </p:blipFill>
-        <p:spPr>
-          <a:xfrm>
-            <a:off x="1653940" y="1846263"/>
-            <a:ext cx="4181251" cy="4397672"/>
-          </a:xfrm>
-          <a:prstGeom prst="rect">
-            <a:avLst/>
-          </a:prstGeom>
-        </p:spPr>
-      </p:pic>
-      <p:pic>
-        <p:nvPicPr>
           <p:cNvPr id="6" name="Tijdelijke aanduiding voor inhoud 5">
             <a:extLst>
               <a:ext uri="{FF2B5EF4-FFF2-40B4-BE49-F238E27FC236}">
@@ -4533,6 +4506,38 @@
           </p:nvPr>
         </p:nvPicPr>
         <p:blipFill>
+          <a:blip r:embed="rId2"/>
+          <a:stretch>
+            <a:fillRect/>
+          </a:stretch>
+        </p:blipFill>
+        <p:spPr>
+          <a:xfrm>
+            <a:off x="6683604" y="1846263"/>
+            <a:ext cx="3621493" cy="4501111"/>
+          </a:xfrm>
+          <a:prstGeom prst="rect">
+            <a:avLst/>
+          </a:prstGeom>
+        </p:spPr>
+      </p:pic>
+      <p:pic>
+        <p:nvPicPr>
+          <p:cNvPr id="10" name="Tijdelijke aanduiding voor inhoud 9">
+            <a:extLst>
+              <a:ext uri="{FF2B5EF4-FFF2-40B4-BE49-F238E27FC236}">
+                <a16:creationId xmlns:a16="http://schemas.microsoft.com/office/drawing/2014/main" id="{E0531749-D9E4-660E-B91B-C8A5B5B23B52}"/>
+              </a:ext>
+            </a:extLst>
+          </p:cNvPr>
+          <p:cNvPicPr>
+            <a:picLocks noGrp="1" noChangeAspect="1"/>
+          </p:cNvPicPr>
+          <p:nvPr>
+            <p:ph sz="half" idx="1"/>
+          </p:nvPr>
+        </p:nvPicPr>
+        <p:blipFill>
           <a:blip r:embed="rId3"/>
           <a:stretch>
             <a:fillRect/>
@@ -4540,12 +4545,9 @@
         </p:blipFill>
         <p:spPr>
           <a:xfrm>
-            <a:off x="6683604" y="1846263"/>
-            <a:ext cx="3621493" cy="4501111"/>
-          </a:xfrm>
-          <a:prstGeom prst="rect">
-            <a:avLst/>
-          </a:prstGeom>
+            <a:off x="1322833" y="1846263"/>
+            <a:ext cx="3946750" cy="4386182"/>
+          </a:xfrm>
         </p:spPr>
       </p:pic>
     </p:spTree>
